--- a/papers/RSS2016/code/CircleFill.pptx
+++ b/papers/RSS2016/code/CircleFill.pptx
@@ -3763,6 +3763,139 @@
           </a:prstGeom>
         </p:spPr>
       </p:pic>
+      <p:sp>
+        <p:nvSpPr>
+          <p:cNvPr id="123" name="Rectangle 122"/>
+          <p:cNvSpPr/>
+          <p:nvPr/>
+        </p:nvSpPr>
+        <p:spPr>
+          <a:xfrm>
+            <a:off x="2984694" y="2126775"/>
+            <a:ext cx="901961" cy="369332"/>
+          </a:xfrm>
+          <a:prstGeom prst="rect">
+            <a:avLst/>
+          </a:prstGeom>
+        </p:spPr>
+        <p:txBody>
+          <a:bodyPr wrap="square">
+            <a:spAutoFit/>
+          </a:bodyPr>
+          <a:lstStyle/>
+          <a:p>
+            <a:r>
+              <a:rPr lang="en-US" i="1" dirty="0">
+                <a:latin typeface="Times New Roman"/>
+                <a:cs typeface="Times New Roman"/>
+              </a:rPr>
+              <a:t>β</a:t>
+            </a:r>
+            <a:r>
+              <a:rPr lang="en-US" dirty="0" smtClean="0">
+                <a:effectLst/>
+                <a:latin typeface="Times New Roman"/>
+                <a:cs typeface="Times New Roman"/>
+              </a:rPr>
+              <a:t> </a:t>
+            </a:r>
+            <a:endParaRPr lang="en-US" dirty="0">
+              <a:latin typeface="Times New Roman"/>
+              <a:cs typeface="Times New Roman"/>
+            </a:endParaRPr>
+          </a:p>
+        </p:txBody>
+      </p:sp>
+      <p:sp>
+        <p:nvSpPr>
+          <p:cNvPr id="124" name="Circular Arrow 123"/>
+          <p:cNvSpPr/>
+          <p:nvPr/>
+        </p:nvSpPr>
+        <p:spPr>
+          <a:xfrm rot="8316779" flipH="1">
+            <a:off x="1978256" y="1585304"/>
+            <a:ext cx="1397845" cy="1589615"/>
+          </a:xfrm>
+          <a:prstGeom prst="circularArrow">
+            <a:avLst>
+              <a:gd name="adj1" fmla="val 4666"/>
+              <a:gd name="adj2" fmla="val 893644"/>
+              <a:gd name="adj3" fmla="val 20535443"/>
+              <a:gd name="adj4" fmla="val 18647894"/>
+              <a:gd name="adj5" fmla="val 5581"/>
+            </a:avLst>
+          </a:prstGeom>
+          <a:solidFill>
+            <a:schemeClr val="tx1"/>
+          </a:solidFill>
+          <a:ln>
+            <a:noFill/>
+          </a:ln>
+        </p:spPr>
+        <p:style>
+          <a:lnRef idx="1">
+            <a:schemeClr val="accent1"/>
+          </a:lnRef>
+          <a:fillRef idx="3">
+            <a:schemeClr val="accent1"/>
+          </a:fillRef>
+          <a:effectRef idx="2">
+            <a:schemeClr val="accent1"/>
+          </a:effectRef>
+          <a:fontRef idx="minor">
+            <a:schemeClr val="lt1"/>
+          </a:fontRef>
+        </p:style>
+        <p:txBody>
+          <a:bodyPr rtlCol="0" anchor="ctr"/>
+          <a:lstStyle/>
+          <a:p>
+            <a:pPr algn="ctr"/>
+            <a:endParaRPr lang="en-US">
+              <a:solidFill>
+                <a:schemeClr val="tx1"/>
+              </a:solidFill>
+            </a:endParaRPr>
+          </a:p>
+        </p:txBody>
+      </p:sp>
+      <p:cxnSp>
+        <p:nvCxnSpPr>
+          <p:cNvPr id="126" name="Straight Connector 125"/>
+          <p:cNvCxnSpPr/>
+          <p:nvPr/>
+        </p:nvCxnSpPr>
+        <p:spPr>
+          <a:xfrm>
+            <a:off x="2652889" y="2486090"/>
+            <a:ext cx="1233766" cy="0"/>
+          </a:xfrm>
+          <a:prstGeom prst="line">
+            <a:avLst/>
+          </a:prstGeom>
+          <a:ln>
+            <a:solidFill>
+              <a:schemeClr val="tx1"/>
+            </a:solidFill>
+          </a:ln>
+          <a:effectLst/>
+        </p:spPr>
+        <p:style>
+          <a:lnRef idx="2">
+            <a:schemeClr val="accent1"/>
+          </a:lnRef>
+          <a:fillRef idx="0">
+            <a:schemeClr val="accent1"/>
+          </a:fillRef>
+          <a:effectRef idx="1">
+            <a:schemeClr val="accent1"/>
+          </a:effectRef>
+          <a:fontRef idx="minor">
+            <a:schemeClr val="tx1"/>
+          </a:fontRef>
+        </p:style>
+      </p:cxnSp>
     </p:spTree>
     <p:extLst>
       <p:ext uri="{BB962C8B-B14F-4D97-AF65-F5344CB8AC3E}">

--- a/papers/RSS2016/code/CircleFill.pptx
+++ b/papers/RSS2016/code/CircleFill.pptx
@@ -3103,7 +3103,7 @@
         </p:nvGrpSpPr>
         <p:grpSpPr>
           <a:xfrm>
-            <a:off x="88401" y="-79093"/>
+            <a:off x="-71766" y="107175"/>
             <a:ext cx="7781385" cy="6925733"/>
             <a:chOff x="-3522986" y="0"/>
             <a:chExt cx="7781385" cy="6925733"/>
@@ -3669,7 +3669,7 @@
       </p:pic>
       <p:pic>
         <p:nvPicPr>
-          <p:cNvPr id="103" name="Picture 102"/>
+          <p:cNvPr id="106" name="Picture 105"/>
           <p:cNvPicPr>
             <a:picLocks noChangeAspect="1"/>
           </p:cNvPicPr>
@@ -3683,79 +3683,7 @@
         </p:blipFill>
         <p:spPr>
           <a:xfrm>
-            <a:off x="10977437" y="-79093"/>
-            <a:ext cx="4347757" cy="2717348"/>
-          </a:xfrm>
-          <a:prstGeom prst="rect">
-            <a:avLst/>
-          </a:prstGeom>
-        </p:spPr>
-      </p:pic>
-      <p:pic>
-        <p:nvPicPr>
-          <p:cNvPr id="104" name="Picture 103"/>
-          <p:cNvPicPr>
-            <a:picLocks noChangeAspect="1"/>
-          </p:cNvPicPr>
-          <p:nvPr/>
-        </p:nvPicPr>
-        <p:blipFill>
-          <a:blip r:embed="rId5"/>
-          <a:stretch>
-            <a:fillRect/>
-          </a:stretch>
-        </p:blipFill>
-        <p:spPr>
-          <a:xfrm>
-            <a:off x="10892762" y="2778407"/>
-            <a:ext cx="4347757" cy="2596577"/>
-          </a:xfrm>
-          <a:prstGeom prst="rect">
-            <a:avLst/>
-          </a:prstGeom>
-        </p:spPr>
-      </p:pic>
-      <p:pic>
-        <p:nvPicPr>
-          <p:cNvPr id="105" name="Picture 104"/>
-          <p:cNvPicPr>
-            <a:picLocks noChangeAspect="1"/>
-          </p:cNvPicPr>
-          <p:nvPr/>
-        </p:nvPicPr>
-        <p:blipFill>
-          <a:blip r:embed="rId6"/>
-          <a:stretch>
-            <a:fillRect/>
-          </a:stretch>
-        </p:blipFill>
-        <p:spPr>
-          <a:xfrm>
-            <a:off x="6294741" y="2720477"/>
-            <a:ext cx="4347757" cy="2765657"/>
-          </a:xfrm>
-          <a:prstGeom prst="rect">
-            <a:avLst/>
-          </a:prstGeom>
-        </p:spPr>
-      </p:pic>
-      <p:pic>
-        <p:nvPicPr>
-          <p:cNvPr id="106" name="Picture 105"/>
-          <p:cNvPicPr>
-            <a:picLocks noChangeAspect="1"/>
-          </p:cNvPicPr>
-          <p:nvPr/>
-        </p:nvPicPr>
-        <p:blipFill>
-          <a:blip r:embed="rId7"/>
-          <a:stretch>
-            <a:fillRect/>
-          </a:stretch>
-        </p:blipFill>
-        <p:spPr>
-          <a:xfrm>
-            <a:off x="6210066" y="-41026"/>
+            <a:off x="6294741" y="-3918760"/>
             <a:ext cx="4347757" cy="2693194"/>
           </a:xfrm>
           <a:prstGeom prst="rect">
@@ -3896,6 +3824,198 @@
           </a:fontRef>
         </p:style>
       </p:cxnSp>
+      <p:pic>
+        <p:nvPicPr>
+          <p:cNvPr id="127" name="Picture 126" descr="CircleSmash.png"/>
+          <p:cNvPicPr>
+            <a:picLocks noChangeAspect="1"/>
+          </p:cNvPicPr>
+          <p:nvPr/>
+        </p:nvPicPr>
+        <p:blipFill>
+          <a:blip r:embed="rId5">
+            <a:extLst>
+              <a:ext uri="{28A0092B-C50C-407E-A947-70E740481C1C}">
+                <a14:useLocalDpi xmlns:a14="http://schemas.microsoft.com/office/drawing/2010/main" val="0"/>
+              </a:ext>
+            </a:extLst>
+          </a:blip>
+          <a:stretch>
+            <a:fillRect/>
+          </a:stretch>
+        </p:blipFill>
+        <p:spPr>
+          <a:xfrm rot="5103180">
+            <a:off x="6729932" y="65634"/>
+            <a:ext cx="3011757" cy="3029473"/>
+          </a:xfrm>
+          <a:prstGeom prst="rect">
+            <a:avLst/>
+          </a:prstGeom>
+        </p:spPr>
+      </p:pic>
+      <p:pic>
+        <p:nvPicPr>
+          <p:cNvPr id="128" name="Picture 127"/>
+          <p:cNvPicPr>
+            <a:picLocks noChangeAspect="1"/>
+          </p:cNvPicPr>
+          <p:nvPr/>
+        </p:nvPicPr>
+        <p:blipFill>
+          <a:blip r:embed="rId6"/>
+          <a:stretch>
+            <a:fillRect/>
+          </a:stretch>
+        </p:blipFill>
+        <p:spPr>
+          <a:xfrm>
+            <a:off x="10955868" y="-27078"/>
+            <a:ext cx="4475747" cy="2834640"/>
+          </a:xfrm>
+          <a:prstGeom prst="rect">
+            <a:avLst/>
+          </a:prstGeom>
+        </p:spPr>
+      </p:pic>
+      <p:pic>
+        <p:nvPicPr>
+          <p:cNvPr id="129" name="Picture 128"/>
+          <p:cNvPicPr>
+            <a:picLocks noChangeAspect="1"/>
+          </p:cNvPicPr>
+          <p:nvPr/>
+        </p:nvPicPr>
+        <p:blipFill>
+          <a:blip r:embed="rId7"/>
+          <a:stretch>
+            <a:fillRect/>
+          </a:stretch>
+        </p:blipFill>
+        <p:spPr>
+          <a:xfrm>
+            <a:off x="6383867" y="2528789"/>
+            <a:ext cx="4572000" cy="2959100"/>
+          </a:xfrm>
+          <a:prstGeom prst="rect">
+            <a:avLst/>
+          </a:prstGeom>
+        </p:spPr>
+      </p:pic>
+      <p:pic>
+        <p:nvPicPr>
+          <p:cNvPr id="130" name="Picture 129"/>
+          <p:cNvPicPr>
+            <a:picLocks noChangeAspect="1"/>
+          </p:cNvPicPr>
+          <p:nvPr/>
+        </p:nvPicPr>
+        <p:blipFill>
+          <a:blip r:embed="rId8"/>
+          <a:stretch>
+            <a:fillRect/>
+          </a:stretch>
+        </p:blipFill>
+        <p:spPr>
+          <a:xfrm>
+            <a:off x="11016447" y="2734731"/>
+            <a:ext cx="4480560" cy="2812796"/>
+          </a:xfrm>
+          <a:prstGeom prst="rect">
+            <a:avLst/>
+          </a:prstGeom>
+        </p:spPr>
+      </p:pic>
+      <p:pic>
+        <p:nvPicPr>
+          <p:cNvPr id="131" name="Picture 130"/>
+          <p:cNvPicPr>
+            <a:picLocks noChangeAspect="1"/>
+          </p:cNvPicPr>
+          <p:nvPr/>
+        </p:nvPicPr>
+        <p:blipFill>
+          <a:blip r:embed="rId9"/>
+          <a:stretch>
+            <a:fillRect/>
+          </a:stretch>
+        </p:blipFill>
+        <p:spPr>
+          <a:xfrm rot="2607298">
+            <a:off x="9243839" y="-50290"/>
+            <a:ext cx="506466" cy="621431"/>
+          </a:xfrm>
+          <a:prstGeom prst="rect">
+            <a:avLst/>
+          </a:prstGeom>
+        </p:spPr>
+      </p:pic>
+      <p:cxnSp>
+        <p:nvCxnSpPr>
+          <p:cNvPr id="133" name="Straight Arrow Connector 132"/>
+          <p:cNvCxnSpPr/>
+          <p:nvPr/>
+        </p:nvCxnSpPr>
+        <p:spPr>
+          <a:xfrm flipV="1">
+            <a:off x="7687733" y="1444907"/>
+            <a:ext cx="694267" cy="681868"/>
+          </a:xfrm>
+          <a:prstGeom prst="straightConnector1">
+            <a:avLst/>
+          </a:prstGeom>
+          <a:ln>
+            <a:solidFill>
+              <a:srgbClr val="0000FF"/>
+            </a:solidFill>
+            <a:tailEnd type="stealth" w="med" len="lg"/>
+          </a:ln>
+        </p:spPr>
+        <p:style>
+          <a:lnRef idx="2">
+            <a:schemeClr val="accent1"/>
+          </a:lnRef>
+          <a:fillRef idx="0">
+            <a:schemeClr val="accent1"/>
+          </a:fillRef>
+          <a:effectRef idx="1">
+            <a:schemeClr val="accent1"/>
+          </a:effectRef>
+          <a:fontRef idx="minor">
+            <a:schemeClr val="tx1"/>
+          </a:fontRef>
+        </p:style>
+      </p:cxnSp>
+      <p:sp>
+        <p:nvSpPr>
+          <p:cNvPr id="134" name="TextBox 133"/>
+          <p:cNvSpPr txBox="1"/>
+          <p:nvPr/>
+        </p:nvSpPr>
+        <p:spPr>
+          <a:xfrm rot="18859671">
+            <a:off x="6854118" y="1515094"/>
+            <a:ext cx="1957052" cy="369332"/>
+          </a:xfrm>
+          <a:prstGeom prst="rect">
+            <a:avLst/>
+          </a:prstGeom>
+          <a:noFill/>
+        </p:spPr>
+        <p:txBody>
+          <a:bodyPr wrap="square" rtlCol="0">
+            <a:spAutoFit/>
+          </a:bodyPr>
+          <a:lstStyle/>
+          <a:p>
+            <a:r>
+              <a:rPr lang="en-US" dirty="0" smtClean="0"/>
+              <a:t>Light direction</a:t>
+            </a:r>
+            <a:endParaRPr lang="en-US" dirty="0"/>
+          </a:p>
+        </p:txBody>
+      </p:sp>
     </p:spTree>
     <p:extLst>
       <p:ext uri="{BB962C8B-B14F-4D97-AF65-F5344CB8AC3E}">
